--- a/modules/MgmntSizeLimits/READING_Paukertetal_2002.pptx
+++ b/modules/MgmntSizeLimits/READING_Paukertetal_2002.pptx
@@ -214,7 +214,7 @@
           <a:p>
             <a:fld id="{EF599A65-391F-4EB8-9242-B59EE92B5FB9}" type="datetimeFigureOut">
               <a:rPr lang="en-US" smtClean="0"/>
-              <a:t>3/13/2016</a:t>
+              <a:t>3/26/2018</a:t>
             </a:fld>
             <a:endParaRPr lang="en-US"/>
           </a:p>
@@ -781,7 +781,7 @@
           <a:p>
             <a:fld id="{07A46C8F-DB9C-4B91-A1F1-A860256637FA}" type="datetimeFigureOut">
               <a:rPr lang="en-US" smtClean="0"/>
-              <a:t>3/13/2016</a:t>
+              <a:t>3/26/2018</a:t>
             </a:fld>
             <a:endParaRPr lang="en-US"/>
           </a:p>
@@ -951,7 +951,7 @@
           <a:p>
             <a:fld id="{07A46C8F-DB9C-4B91-A1F1-A860256637FA}" type="datetimeFigureOut">
               <a:rPr lang="en-US" smtClean="0"/>
-              <a:t>3/13/2016</a:t>
+              <a:t>3/26/2018</a:t>
             </a:fld>
             <a:endParaRPr lang="en-US"/>
           </a:p>
@@ -1131,7 +1131,7 @@
           <a:p>
             <a:fld id="{07A46C8F-DB9C-4B91-A1F1-A860256637FA}" type="datetimeFigureOut">
               <a:rPr lang="en-US" smtClean="0"/>
-              <a:t>3/13/2016</a:t>
+              <a:t>3/26/2018</a:t>
             </a:fld>
             <a:endParaRPr lang="en-US"/>
           </a:p>
@@ -1301,7 +1301,7 @@
           <a:p>
             <a:fld id="{07A46C8F-DB9C-4B91-A1F1-A860256637FA}" type="datetimeFigureOut">
               <a:rPr lang="en-US" smtClean="0"/>
-              <a:t>3/13/2016</a:t>
+              <a:t>3/26/2018</a:t>
             </a:fld>
             <a:endParaRPr lang="en-US"/>
           </a:p>
@@ -1545,7 +1545,7 @@
           <a:p>
             <a:fld id="{07A46C8F-DB9C-4B91-A1F1-A860256637FA}" type="datetimeFigureOut">
               <a:rPr lang="en-US" smtClean="0"/>
-              <a:t>3/13/2016</a:t>
+              <a:t>3/26/2018</a:t>
             </a:fld>
             <a:endParaRPr lang="en-US"/>
           </a:p>
@@ -1777,7 +1777,7 @@
           <a:p>
             <a:fld id="{07A46C8F-DB9C-4B91-A1F1-A860256637FA}" type="datetimeFigureOut">
               <a:rPr lang="en-US" smtClean="0"/>
-              <a:t>3/13/2016</a:t>
+              <a:t>3/26/2018</a:t>
             </a:fld>
             <a:endParaRPr lang="en-US"/>
           </a:p>
@@ -2144,7 +2144,7 @@
           <a:p>
             <a:fld id="{07A46C8F-DB9C-4B91-A1F1-A860256637FA}" type="datetimeFigureOut">
               <a:rPr lang="en-US" smtClean="0"/>
-              <a:t>3/13/2016</a:t>
+              <a:t>3/26/2018</a:t>
             </a:fld>
             <a:endParaRPr lang="en-US"/>
           </a:p>
@@ -2262,7 +2262,7 @@
           <a:p>
             <a:fld id="{07A46C8F-DB9C-4B91-A1F1-A860256637FA}" type="datetimeFigureOut">
               <a:rPr lang="en-US" smtClean="0"/>
-              <a:t>3/13/2016</a:t>
+              <a:t>3/26/2018</a:t>
             </a:fld>
             <a:endParaRPr lang="en-US"/>
           </a:p>
@@ -2357,7 +2357,7 @@
           <a:p>
             <a:fld id="{07A46C8F-DB9C-4B91-A1F1-A860256637FA}" type="datetimeFigureOut">
               <a:rPr lang="en-US" smtClean="0"/>
-              <a:t>3/13/2016</a:t>
+              <a:t>3/26/2018</a:t>
             </a:fld>
             <a:endParaRPr lang="en-US"/>
           </a:p>
@@ -2634,7 +2634,7 @@
           <a:p>
             <a:fld id="{07A46C8F-DB9C-4B91-A1F1-A860256637FA}" type="datetimeFigureOut">
               <a:rPr lang="en-US" smtClean="0"/>
-              <a:t>3/13/2016</a:t>
+              <a:t>3/26/2018</a:t>
             </a:fld>
             <a:endParaRPr lang="en-US"/>
           </a:p>
@@ -2891,7 +2891,7 @@
           <a:p>
             <a:fld id="{07A46C8F-DB9C-4B91-A1F1-A860256637FA}" type="datetimeFigureOut">
               <a:rPr lang="en-US" smtClean="0"/>
-              <a:t>3/13/2016</a:t>
+              <a:t>3/26/2018</a:t>
             </a:fld>
             <a:endParaRPr lang="en-US"/>
           </a:p>
@@ -3104,7 +3104,7 @@
           <a:p>
             <a:fld id="{07A46C8F-DB9C-4B91-A1F1-A860256637FA}" type="datetimeFigureOut">
               <a:rPr lang="en-US" smtClean="0"/>
-              <a:t>3/13/2016</a:t>
+              <a:t>3/26/2018</a:t>
             </a:fld>
             <a:endParaRPr lang="en-US"/>
           </a:p>
@@ -4122,6 +4122,41 @@
           </a:fontRef>
         </p:style>
       </p:cxnSp>
+      <p:cxnSp>
+        <p:nvCxnSpPr>
+          <p:cNvPr id="14" name="Straight Connector 13"/>
+          <p:cNvCxnSpPr/>
+          <p:nvPr/>
+        </p:nvCxnSpPr>
+        <p:spPr>
+          <a:xfrm flipV="1">
+            <a:off x="3641676" y="2071396"/>
+            <a:ext cx="2805777" cy="7215"/>
+          </a:xfrm>
+          <a:prstGeom prst="line">
+            <a:avLst/>
+          </a:prstGeom>
+          <a:ln w="25400">
+            <a:solidFill>
+              <a:srgbClr val="FF0000"/>
+            </a:solidFill>
+          </a:ln>
+        </p:spPr>
+        <p:style>
+          <a:lnRef idx="1">
+            <a:schemeClr val="accent1"/>
+          </a:lnRef>
+          <a:fillRef idx="0">
+            <a:schemeClr val="accent1"/>
+          </a:fillRef>
+          <a:effectRef idx="0">
+            <a:schemeClr val="accent1"/>
+          </a:effectRef>
+          <a:fontRef idx="minor">
+            <a:schemeClr val="tx1"/>
+          </a:fontRef>
+        </p:style>
+      </p:cxnSp>
     </p:spTree>
     <p:extLst>
       <p:ext uri="{BB962C8B-B14F-4D97-AF65-F5344CB8AC3E}">
@@ -4219,39 +4254,21 @@
                                   </p:childTnLst>
                                 </p:cTn>
                               </p:par>
-                            </p:childTnLst>
-                          </p:cTn>
-                        </p:par>
-                      </p:childTnLst>
-                    </p:cTn>
-                  </p:par>
-                  <p:par>
-                    <p:cTn id="10" fill="hold">
-                      <p:stCondLst>
-                        <p:cond delay="indefinite"/>
-                      </p:stCondLst>
-                      <p:childTnLst>
-                        <p:par>
-                          <p:cTn id="11" fill="hold">
-                            <p:stCondLst>
-                              <p:cond delay="0"/>
-                            </p:stCondLst>
-                            <p:childTnLst>
                               <p:par>
-                                <p:cTn id="12" presetID="1" presetClass="entr" presetSubtype="0" fill="hold" nodeType="clickEffect">
+                                <p:cTn id="10" presetID="1" presetClass="entr" presetSubtype="0" fill="hold" nodeType="withEffect">
                                   <p:stCondLst>
                                     <p:cond delay="0"/>
                                   </p:stCondLst>
                                   <p:childTnLst>
                                     <p:set>
                                       <p:cBhvr>
-                                        <p:cTn id="13" dur="1" fill="hold">
+                                        <p:cTn id="11" dur="1" fill="hold">
                                           <p:stCondLst>
                                             <p:cond delay="0"/>
                                           </p:stCondLst>
                                         </p:cTn>
                                         <p:tgtEl>
-                                          <p:spTgt spid="8"/>
+                                          <p:spTgt spid="14"/>
                                         </p:tgtEl>
                                         <p:attrNameLst>
                                           <p:attrName>style.visibility</p:attrName>
@@ -4264,8 +4281,26 @@
                                   </p:childTnLst>
                                 </p:cTn>
                               </p:par>
+                            </p:childTnLst>
+                          </p:cTn>
+                        </p:par>
+                      </p:childTnLst>
+                    </p:cTn>
+                  </p:par>
+                  <p:par>
+                    <p:cTn id="12" fill="hold">
+                      <p:stCondLst>
+                        <p:cond delay="indefinite"/>
+                      </p:stCondLst>
+                      <p:childTnLst>
+                        <p:par>
+                          <p:cTn id="13" fill="hold">
+                            <p:stCondLst>
+                              <p:cond delay="0"/>
+                            </p:stCondLst>
+                            <p:childTnLst>
                               <p:par>
-                                <p:cTn id="14" presetID="1" presetClass="entr" presetSubtype="0" fill="hold" nodeType="withEffect">
+                                <p:cTn id="14" presetID="1" presetClass="entr" presetSubtype="0" fill="hold" nodeType="clickEffect">
                                   <p:stCondLst>
                                     <p:cond delay="0"/>
                                   </p:stCondLst>
@@ -4278,7 +4313,7 @@
                                           </p:stCondLst>
                                         </p:cTn>
                                         <p:tgtEl>
-                                          <p:spTgt spid="10"/>
+                                          <p:spTgt spid="8"/>
                                         </p:tgtEl>
                                         <p:attrNameLst>
                                           <p:attrName>style.visibility</p:attrName>
@@ -4305,7 +4340,7 @@
                                           </p:stCondLst>
                                         </p:cTn>
                                         <p:tgtEl>
-                                          <p:spTgt spid="11"/>
+                                          <p:spTgt spid="10"/>
                                         </p:tgtEl>
                                         <p:attrNameLst>
                                           <p:attrName>style.visibility</p:attrName>
@@ -4332,7 +4367,7 @@
                                           </p:stCondLst>
                                         </p:cTn>
                                         <p:tgtEl>
-                                          <p:spTgt spid="13"/>
+                                          <p:spTgt spid="11"/>
                                         </p:tgtEl>
                                         <p:attrNameLst>
                                           <p:attrName>style.visibility</p:attrName>
@@ -4359,7 +4394,7 @@
                                           </p:stCondLst>
                                         </p:cTn>
                                         <p:tgtEl>
-                                          <p:spTgt spid="15"/>
+                                          <p:spTgt spid="13"/>
                                         </p:tgtEl>
                                         <p:attrNameLst>
                                           <p:attrName>style.visibility</p:attrName>
@@ -4386,7 +4421,7 @@
                                           </p:stCondLst>
                                         </p:cTn>
                                         <p:tgtEl>
-                                          <p:spTgt spid="16"/>
+                                          <p:spTgt spid="15"/>
                                         </p:tgtEl>
                                         <p:attrNameLst>
                                           <p:attrName>style.visibility</p:attrName>
@@ -4413,7 +4448,7 @@
                                           </p:stCondLst>
                                         </p:cTn>
                                         <p:tgtEl>
-                                          <p:spTgt spid="17"/>
+                                          <p:spTgt spid="16"/>
                                         </p:tgtEl>
                                         <p:attrNameLst>
                                           <p:attrName>style.visibility</p:attrName>
@@ -4440,7 +4475,7 @@
                                           </p:stCondLst>
                                         </p:cTn>
                                         <p:tgtEl>
-                                          <p:spTgt spid="19"/>
+                                          <p:spTgt spid="17"/>
                                         </p:tgtEl>
                                         <p:attrNameLst>
                                           <p:attrName>style.visibility</p:attrName>
@@ -4462,6 +4497,33 @@
                                     <p:set>
                                       <p:cBhvr>
                                         <p:cTn id="29" dur="1" fill="hold">
+                                          <p:stCondLst>
+                                            <p:cond delay="0"/>
+                                          </p:stCondLst>
+                                        </p:cTn>
+                                        <p:tgtEl>
+                                          <p:spTgt spid="19"/>
+                                        </p:tgtEl>
+                                        <p:attrNameLst>
+                                          <p:attrName>style.visibility</p:attrName>
+                                        </p:attrNameLst>
+                                      </p:cBhvr>
+                                      <p:to>
+                                        <p:strVal val="visible"/>
+                                      </p:to>
+                                    </p:set>
+                                  </p:childTnLst>
+                                </p:cTn>
+                              </p:par>
+                              <p:par>
+                                <p:cTn id="30" presetID="1" presetClass="entr" presetSubtype="0" fill="hold" nodeType="withEffect">
+                                  <p:stCondLst>
+                                    <p:cond delay="0"/>
+                                  </p:stCondLst>
+                                  <p:childTnLst>
+                                    <p:set>
+                                      <p:cBhvr>
+                                        <p:cTn id="31" dur="1" fill="hold">
                                           <p:stCondLst>
                                             <p:cond delay="0"/>
                                           </p:stCondLst>
@@ -4822,6 +4884,181 @@
           </a:prstGeom>
         </p:spPr>
       </p:pic>
+      <p:cxnSp>
+        <p:nvCxnSpPr>
+          <p:cNvPr id="6" name="Straight Connector 5"/>
+          <p:cNvCxnSpPr/>
+          <p:nvPr/>
+        </p:nvCxnSpPr>
+        <p:spPr>
+          <a:xfrm>
+            <a:off x="5094141" y="2140816"/>
+            <a:ext cx="1673352" cy="0"/>
+          </a:xfrm>
+          <a:prstGeom prst="line">
+            <a:avLst/>
+          </a:prstGeom>
+          <a:ln w="25400">
+            <a:solidFill>
+              <a:srgbClr val="FF0000"/>
+            </a:solidFill>
+          </a:ln>
+        </p:spPr>
+        <p:style>
+          <a:lnRef idx="1">
+            <a:schemeClr val="accent1"/>
+          </a:lnRef>
+          <a:fillRef idx="0">
+            <a:schemeClr val="accent1"/>
+          </a:fillRef>
+          <a:effectRef idx="0">
+            <a:schemeClr val="accent1"/>
+          </a:effectRef>
+          <a:fontRef idx="minor">
+            <a:schemeClr val="tx1"/>
+          </a:fontRef>
+        </p:style>
+      </p:cxnSp>
+      <p:cxnSp>
+        <p:nvCxnSpPr>
+          <p:cNvPr id="7" name="Straight Connector 6"/>
+          <p:cNvCxnSpPr/>
+          <p:nvPr/>
+        </p:nvCxnSpPr>
+        <p:spPr>
+          <a:xfrm>
+            <a:off x="2351511" y="2367860"/>
+            <a:ext cx="3134889" cy="0"/>
+          </a:xfrm>
+          <a:prstGeom prst="line">
+            <a:avLst/>
+          </a:prstGeom>
+          <a:ln w="25400">
+            <a:solidFill>
+              <a:srgbClr val="FF0000"/>
+            </a:solidFill>
+          </a:ln>
+        </p:spPr>
+        <p:style>
+          <a:lnRef idx="1">
+            <a:schemeClr val="accent1"/>
+          </a:lnRef>
+          <a:fillRef idx="0">
+            <a:schemeClr val="accent1"/>
+          </a:fillRef>
+          <a:effectRef idx="0">
+            <a:schemeClr val="accent1"/>
+          </a:effectRef>
+          <a:fontRef idx="minor">
+            <a:schemeClr val="tx1"/>
+          </a:fontRef>
+        </p:style>
+      </p:cxnSp>
+      <p:cxnSp>
+        <p:nvCxnSpPr>
+          <p:cNvPr id="8" name="Straight Connector 7"/>
+          <p:cNvCxnSpPr/>
+          <p:nvPr/>
+        </p:nvCxnSpPr>
+        <p:spPr>
+          <a:xfrm>
+            <a:off x="2351511" y="2616341"/>
+            <a:ext cx="2220489" cy="0"/>
+          </a:xfrm>
+          <a:prstGeom prst="line">
+            <a:avLst/>
+          </a:prstGeom>
+          <a:ln w="25400">
+            <a:solidFill>
+              <a:srgbClr val="FF0000"/>
+            </a:solidFill>
+          </a:ln>
+        </p:spPr>
+        <p:style>
+          <a:lnRef idx="1">
+            <a:schemeClr val="accent1"/>
+          </a:lnRef>
+          <a:fillRef idx="0">
+            <a:schemeClr val="accent1"/>
+          </a:fillRef>
+          <a:effectRef idx="0">
+            <a:schemeClr val="accent1"/>
+          </a:effectRef>
+          <a:fontRef idx="minor">
+            <a:schemeClr val="tx1"/>
+          </a:fontRef>
+        </p:style>
+      </p:cxnSp>
+      <p:cxnSp>
+        <p:nvCxnSpPr>
+          <p:cNvPr id="9" name="Straight Connector 8"/>
+          <p:cNvCxnSpPr/>
+          <p:nvPr/>
+        </p:nvCxnSpPr>
+        <p:spPr>
+          <a:xfrm>
+            <a:off x="6397881" y="2367860"/>
+            <a:ext cx="292168" cy="0"/>
+          </a:xfrm>
+          <a:prstGeom prst="line">
+            <a:avLst/>
+          </a:prstGeom>
+          <a:ln w="25400">
+            <a:solidFill>
+              <a:srgbClr val="FF0000"/>
+            </a:solidFill>
+          </a:ln>
+        </p:spPr>
+        <p:style>
+          <a:lnRef idx="1">
+            <a:schemeClr val="accent1"/>
+          </a:lnRef>
+          <a:fillRef idx="0">
+            <a:schemeClr val="accent1"/>
+          </a:fillRef>
+          <a:effectRef idx="0">
+            <a:schemeClr val="accent1"/>
+          </a:effectRef>
+          <a:fontRef idx="minor">
+            <a:schemeClr val="tx1"/>
+          </a:fontRef>
+        </p:style>
+      </p:cxnSp>
+      <p:cxnSp>
+        <p:nvCxnSpPr>
+          <p:cNvPr id="14" name="Straight Connector 13"/>
+          <p:cNvCxnSpPr/>
+          <p:nvPr/>
+        </p:nvCxnSpPr>
+        <p:spPr>
+          <a:xfrm>
+            <a:off x="2295525" y="2922637"/>
+            <a:ext cx="6024" cy="943364"/>
+          </a:xfrm>
+          <a:prstGeom prst="line">
+            <a:avLst/>
+          </a:prstGeom>
+          <a:ln w="25400">
+            <a:solidFill>
+              <a:srgbClr val="FF0000"/>
+            </a:solidFill>
+          </a:ln>
+        </p:spPr>
+        <p:style>
+          <a:lnRef idx="1">
+            <a:schemeClr val="accent1"/>
+          </a:lnRef>
+          <a:fillRef idx="0">
+            <a:schemeClr val="accent1"/>
+          </a:fillRef>
+          <a:effectRef idx="0">
+            <a:schemeClr val="accent1"/>
+          </a:effectRef>
+          <a:fontRef idx="minor">
+            <a:schemeClr val="tx1"/>
+          </a:fontRef>
+        </p:style>
+      </p:cxnSp>
     </p:spTree>
     <p:extLst>
       <p:ext uri="{BB962C8B-B14F-4D97-AF65-F5344CB8AC3E}">
@@ -4906,6 +5143,141 @@
                                   </p:childTnLst>
                                 </p:cTn>
                               </p:par>
+                              <p:par>
+                                <p:cTn id="9" presetID="1" presetClass="entr" presetSubtype="0" fill="hold" nodeType="withEffect">
+                                  <p:stCondLst>
+                                    <p:cond delay="0"/>
+                                  </p:stCondLst>
+                                  <p:childTnLst>
+                                    <p:set>
+                                      <p:cBhvr>
+                                        <p:cTn id="10" dur="1" fill="hold">
+                                          <p:stCondLst>
+                                            <p:cond delay="0"/>
+                                          </p:stCondLst>
+                                        </p:cTn>
+                                        <p:tgtEl>
+                                          <p:spTgt spid="6"/>
+                                        </p:tgtEl>
+                                        <p:attrNameLst>
+                                          <p:attrName>style.visibility</p:attrName>
+                                        </p:attrNameLst>
+                                      </p:cBhvr>
+                                      <p:to>
+                                        <p:strVal val="visible"/>
+                                      </p:to>
+                                    </p:set>
+                                  </p:childTnLst>
+                                </p:cTn>
+                              </p:par>
+                              <p:par>
+                                <p:cTn id="11" presetID="1" presetClass="entr" presetSubtype="0" fill="hold" nodeType="withEffect">
+                                  <p:stCondLst>
+                                    <p:cond delay="0"/>
+                                  </p:stCondLst>
+                                  <p:childTnLst>
+                                    <p:set>
+                                      <p:cBhvr>
+                                        <p:cTn id="12" dur="1" fill="hold">
+                                          <p:stCondLst>
+                                            <p:cond delay="0"/>
+                                          </p:stCondLst>
+                                        </p:cTn>
+                                        <p:tgtEl>
+                                          <p:spTgt spid="7"/>
+                                        </p:tgtEl>
+                                        <p:attrNameLst>
+                                          <p:attrName>style.visibility</p:attrName>
+                                        </p:attrNameLst>
+                                      </p:cBhvr>
+                                      <p:to>
+                                        <p:strVal val="visible"/>
+                                      </p:to>
+                                    </p:set>
+                                  </p:childTnLst>
+                                </p:cTn>
+                              </p:par>
+                              <p:par>
+                                <p:cTn id="13" presetID="1" presetClass="entr" presetSubtype="0" fill="hold" nodeType="withEffect">
+                                  <p:stCondLst>
+                                    <p:cond delay="0"/>
+                                  </p:stCondLst>
+                                  <p:childTnLst>
+                                    <p:set>
+                                      <p:cBhvr>
+                                        <p:cTn id="14" dur="1" fill="hold">
+                                          <p:stCondLst>
+                                            <p:cond delay="0"/>
+                                          </p:stCondLst>
+                                        </p:cTn>
+                                        <p:tgtEl>
+                                          <p:spTgt spid="8"/>
+                                        </p:tgtEl>
+                                        <p:attrNameLst>
+                                          <p:attrName>style.visibility</p:attrName>
+                                        </p:attrNameLst>
+                                      </p:cBhvr>
+                                      <p:to>
+                                        <p:strVal val="visible"/>
+                                      </p:to>
+                                    </p:set>
+                                  </p:childTnLst>
+                                </p:cTn>
+                              </p:par>
+                              <p:par>
+                                <p:cTn id="15" presetID="1" presetClass="entr" presetSubtype="0" fill="hold" nodeType="withEffect">
+                                  <p:stCondLst>
+                                    <p:cond delay="0"/>
+                                  </p:stCondLst>
+                                  <p:childTnLst>
+                                    <p:set>
+                                      <p:cBhvr>
+                                        <p:cTn id="16" dur="1" fill="hold">
+                                          <p:stCondLst>
+                                            <p:cond delay="0"/>
+                                          </p:stCondLst>
+                                        </p:cTn>
+                                        <p:tgtEl>
+                                          <p:spTgt spid="9"/>
+                                        </p:tgtEl>
+                                        <p:attrNameLst>
+                                          <p:attrName>style.visibility</p:attrName>
+                                        </p:attrNameLst>
+                                      </p:cBhvr>
+                                      <p:to>
+                                        <p:strVal val="visible"/>
+                                      </p:to>
+                                    </p:set>
+                                  </p:childTnLst>
+                                </p:cTn>
+                              </p:par>
+                              <p:par>
+                                <p:cTn id="17" presetID="1" presetClass="entr" presetSubtype="0" fill="hold" nodeType="withEffect">
+                                  <p:stCondLst>
+                                    <p:cond delay="0"/>
+                                  </p:stCondLst>
+                                  <p:childTnLst>
+                                    <p:set>
+                                      <p:cBhvr>
+                                        <p:cTn id="18" dur="1" fill="hold">
+                                          <p:stCondLst>
+                                            <p:cond delay="0"/>
+                                          </p:stCondLst>
+                                        </p:cTn>
+                                        <p:tgtEl>
+                                          <p:spTgt spid="14"/>
+                                        </p:tgtEl>
+                                        <p:attrNameLst>
+                                          <p:attrName>style.visibility</p:attrName>
+                                        </p:attrNameLst>
+                                      </p:cBhvr>
+                                      <p:to>
+                                        <p:strVal val="visible"/>
+                                      </p:to>
+                                    </p:set>
+                                  </p:childTnLst>
+                                </p:cTn>
+                              </p:par>
                             </p:childTnLst>
                           </p:cTn>
                         </p:par>
@@ -5427,33 +5799,6 @@
                                           </p:stCondLst>
                                         </p:cTn>
                                         <p:tgtEl>
-                                          <p:spTgt spid="5"/>
-                                        </p:tgtEl>
-                                        <p:attrNameLst>
-                                          <p:attrName>style.visibility</p:attrName>
-                                        </p:attrNameLst>
-                                      </p:cBhvr>
-                                      <p:to>
-                                        <p:strVal val="visible"/>
-                                      </p:to>
-                                    </p:set>
-                                  </p:childTnLst>
-                                </p:cTn>
-                              </p:par>
-                              <p:par>
-                                <p:cTn id="7" presetID="1" presetClass="entr" presetSubtype="0" fill="hold" nodeType="withEffect">
-                                  <p:stCondLst>
-                                    <p:cond delay="0"/>
-                                  </p:stCondLst>
-                                  <p:childTnLst>
-                                    <p:set>
-                                      <p:cBhvr>
-                                        <p:cTn id="8" dur="1" fill="hold">
-                                          <p:stCondLst>
-                                            <p:cond delay="0"/>
-                                          </p:stCondLst>
-                                        </p:cTn>
-                                        <p:tgtEl>
                                           <p:spTgt spid="6"/>
                                         </p:tgtEl>
                                         <p:attrNameLst>
@@ -5467,8 +5812,26 @@
                                   </p:childTnLst>
                                 </p:cTn>
                               </p:par>
+                            </p:childTnLst>
+                          </p:cTn>
+                        </p:par>
+                      </p:childTnLst>
+                    </p:cTn>
+                  </p:par>
+                  <p:par>
+                    <p:cTn id="7" fill="hold">
+                      <p:stCondLst>
+                        <p:cond delay="indefinite"/>
+                      </p:stCondLst>
+                      <p:childTnLst>
+                        <p:par>
+                          <p:cTn id="8" fill="hold">
+                            <p:stCondLst>
+                              <p:cond delay="0"/>
+                            </p:stCondLst>
+                            <p:childTnLst>
                               <p:par>
-                                <p:cTn id="9" presetID="1" presetClass="entr" presetSubtype="0" fill="hold" nodeType="withEffect">
+                                <p:cTn id="9" presetID="1" presetClass="entr" presetSubtype="0" fill="hold" nodeType="clickEffect">
                                   <p:stCondLst>
                                     <p:cond delay="0"/>
                                   </p:stCondLst>
